--- a/#1_Git_Github_Tools.pptx
+++ b/#1_Git_Github_Tools.pptx
@@ -6,10 +6,10 @@
     <p:sldMasterId id="2147483665" r:id="rId2"/>
   </p:sldMasterIdLst>
   <p:notesMasterIdLst>
-    <p:notesMasterId r:id="rId15"/>
+    <p:notesMasterId r:id="rId16"/>
   </p:notesMasterIdLst>
   <p:handoutMasterIdLst>
-    <p:handoutMasterId r:id="rId16"/>
+    <p:handoutMasterId r:id="rId17"/>
   </p:handoutMasterIdLst>
   <p:sldIdLst>
     <p:sldId id="256" r:id="rId3"/>
@@ -22,8 +22,9 @@
     <p:sldId id="326" r:id="rId10"/>
     <p:sldId id="327" r:id="rId11"/>
     <p:sldId id="328" r:id="rId12"/>
-    <p:sldId id="329" r:id="rId13"/>
-    <p:sldId id="320" r:id="rId14"/>
+    <p:sldId id="330" r:id="rId13"/>
+    <p:sldId id="329" r:id="rId14"/>
+    <p:sldId id="320" r:id="rId15"/>
   </p:sldIdLst>
   <p:sldSz cx="12192000" cy="6858000"/>
   <p:notesSz cx="6858000" cy="9144000"/>
@@ -319,7 +320,7 @@
                 <a:ea typeface="SimSun" panose="02010600030101010101" pitchFamily="2" charset="-122"/>
                 <a:cs typeface="+mn-cs"/>
               </a:rPr>
-              <a:t>2020/11/9</a:t>
+              <a:t>2020/11/10</a:t>
             </a:fld>
             <a:endParaRPr lang="zh-CN" altLang="en-US" strike="noStrike" noProof="1"/>
           </a:p>
@@ -1122,6 +1123,67 @@
 </file>
 
 <file path=ppt/notesSlides/notesSlide1.xml><?xml version="1.0" encoding="utf-8"?>
+<p:notes xmlns:a="http://schemas.openxmlformats.org/drawingml/2006/main" xmlns:r="http://schemas.openxmlformats.org/officeDocument/2006/relationships" xmlns:p="http://schemas.openxmlformats.org/presentationml/2006/main">
+  <p:cSld>
+    <p:spTree>
+      <p:nvGrpSpPr>
+        <p:cNvPr id="1" name=""/>
+        <p:cNvGrpSpPr/>
+        <p:nvPr/>
+      </p:nvGrpSpPr>
+      <p:grpSpPr>
+        <a:xfrm>
+          <a:off x="0" y="0"/>
+          <a:ext cx="0" cy="0"/>
+          <a:chOff x="0" y="0"/>
+          <a:chExt cx="0" cy="0"/>
+        </a:xfrm>
+      </p:grpSpPr>
+      <p:sp>
+        <p:nvSpPr>
+          <p:cNvPr id="2" name="Slide Image Placeholder 1"/>
+          <p:cNvSpPr>
+            <a:spLocks noGrp="1" noRot="1" noChangeAspect="1"/>
+          </p:cNvSpPr>
+          <p:nvPr>
+            <p:ph type="sldImg"/>
+          </p:nvPr>
+        </p:nvSpPr>
+        <p:spPr/>
+      </p:sp>
+      <p:sp>
+        <p:nvSpPr>
+          <p:cNvPr id="3" name="Notes Placeholder 2"/>
+          <p:cNvSpPr>
+            <a:spLocks noGrp="1"/>
+          </p:cNvSpPr>
+          <p:nvPr>
+            <p:ph type="body" idx="1"/>
+          </p:nvPr>
+        </p:nvSpPr>
+        <p:spPr/>
+        <p:txBody>
+          <a:bodyPr/>
+          <a:lstStyle/>
+          <a:p>
+            <a:endParaRPr lang="en-US" dirty="0"/>
+          </a:p>
+        </p:txBody>
+      </p:sp>
+    </p:spTree>
+    <p:extLst>
+      <p:ext uri="{BB962C8B-B14F-4D97-AF65-F5344CB8AC3E}">
+        <p14:creationId xmlns:p14="http://schemas.microsoft.com/office/powerpoint/2010/main" val="3620610572"/>
+      </p:ext>
+    </p:extLst>
+  </p:cSld>
+  <p:clrMapOvr>
+    <a:masterClrMapping/>
+  </p:clrMapOvr>
+</p:notes>
+</file>
+
+<file path=ppt/notesSlides/notesSlide2.xml><?xml version="1.0" encoding="utf-8"?>
 <p:notes xmlns:a="http://schemas.openxmlformats.org/drawingml/2006/main" xmlns:r="http://schemas.openxmlformats.org/officeDocument/2006/relationships" xmlns:p="http://schemas.openxmlformats.org/presentationml/2006/main">
   <p:cSld>
     <p:spTree>
@@ -10832,7 +10894,7 @@
           <p:nvPr/>
         </p:nvPicPr>
         <p:blipFill>
-          <a:blip r:embed="rId2"/>
+          <a:blip r:embed="rId3"/>
           <a:stretch>
             <a:fillRect/>
           </a:stretch>
@@ -10856,7 +10918,7 @@
           <p:nvPr/>
         </p:nvPicPr>
         <p:blipFill>
-          <a:blip r:embed="rId3">
+          <a:blip r:embed="rId4">
             <a:extLst>
               <a:ext uri="{28A0092B-C50C-407E-A947-70E740481C1C}">
                 <a14:useLocalDpi xmlns:a14="http://schemas.microsoft.com/office/drawing/2010/main" val="0"/>
@@ -11972,6 +12034,767 @@
         <p:spPr>
           <a:xfrm>
             <a:off x="113348" y="207328"/>
+            <a:ext cx="5170005" cy="707886"/>
+          </a:xfrm>
+          <a:prstGeom prst="rect">
+            <a:avLst/>
+          </a:prstGeom>
+          <a:noFill/>
+          <a:ln w="9525">
+            <a:noFill/>
+          </a:ln>
+        </p:spPr>
+        <p:txBody>
+          <a:bodyPr wrap="none" anchor="t">
+            <a:spAutoFit/>
+          </a:bodyPr>
+          <a:lstStyle/>
+          <a:p>
+            <a:pPr lvl="0"/>
+            <a:r>
+              <a:rPr lang="en-US" altLang="zh-CN" sz="4000" b="1" dirty="0">
+                <a:solidFill>
+                  <a:srgbClr val="262626"/>
+                </a:solidFill>
+                <a:latin typeface="Arial" panose="020B0604020202020204" pitchFamily="34" charset="0"/>
+                <a:ea typeface="Microsoft YaHei" panose="020B0503020204020204" pitchFamily="34" charset="-122"/>
+                <a:sym typeface="+mn-ea"/>
+              </a:rPr>
+              <a:t> </a:t>
+            </a:r>
+            <a:r>
+              <a:rPr lang="en-US" altLang="zh-CN" sz="4000" b="1" dirty="0" smtClean="0">
+                <a:solidFill>
+                  <a:srgbClr val="262626"/>
+                </a:solidFill>
+                <a:latin typeface="Arial" panose="020B0604020202020204" pitchFamily="34" charset="0"/>
+                <a:ea typeface="Microsoft YaHei" panose="020B0503020204020204" pitchFamily="34" charset="-122"/>
+                <a:sym typeface="+mn-ea"/>
+              </a:rPr>
+              <a:t>Steps to use Github</a:t>
+            </a:r>
+            <a:endParaRPr lang="en-US" altLang="zh-CN" sz="4000" b="1" dirty="0">
+              <a:solidFill>
+                <a:srgbClr val="262626"/>
+              </a:solidFill>
+              <a:latin typeface="Arial" panose="020B0604020202020204" pitchFamily="34" charset="0"/>
+              <a:ea typeface="Microsoft YaHei" panose="020B0503020204020204" pitchFamily="34" charset="-122"/>
+              <a:sym typeface="+mn-ea"/>
+            </a:endParaRPr>
+          </a:p>
+        </p:txBody>
+      </p:sp>
+      <p:sp>
+        <p:nvSpPr>
+          <p:cNvPr id="10" name="Rectangle 9"/>
+          <p:cNvSpPr/>
+          <p:nvPr/>
+        </p:nvSpPr>
+        <p:spPr>
+          <a:xfrm>
+            <a:off x="9520459" y="6452165"/>
+            <a:ext cx="2166812" cy="646331"/>
+          </a:xfrm>
+          <a:prstGeom prst="rect">
+            <a:avLst/>
+          </a:prstGeom>
+        </p:spPr>
+        <p:txBody>
+          <a:bodyPr wrap="none">
+            <a:spAutoFit/>
+          </a:bodyPr>
+          <a:lstStyle/>
+          <a:p>
+            <a:r>
+              <a:rPr lang="en-US" dirty="0">
+                <a:latin typeface="Verdana" panose="020B0604030504040204" pitchFamily="34" charset="0"/>
+                <a:ea typeface="Verdana" panose="020B0604030504040204" pitchFamily="34" charset="0"/>
+              </a:rPr>
+              <a:t>Git_Github_Tools</a:t>
+            </a:r>
+          </a:p>
+          <a:p>
+            <a:r>
+              <a:rPr lang="en-US" dirty="0" smtClean="0">
+                <a:latin typeface="Verdana" panose="020B0604030504040204" pitchFamily="34" charset="0"/>
+                <a:ea typeface="Verdana" panose="020B0604030504040204" pitchFamily="34" charset="0"/>
+              </a:rPr>
+              <a:t> </a:t>
+            </a:r>
+            <a:endParaRPr lang="en-US" dirty="0">
+              <a:latin typeface="Verdana" panose="020B0604030504040204" pitchFamily="34" charset="0"/>
+              <a:ea typeface="Verdana" panose="020B0604030504040204" pitchFamily="34" charset="0"/>
+            </a:endParaRPr>
+          </a:p>
+        </p:txBody>
+      </p:sp>
+      <p:sp>
+        <p:nvSpPr>
+          <p:cNvPr id="4" name="Rectangle 3"/>
+          <p:cNvSpPr/>
+          <p:nvPr/>
+        </p:nvSpPr>
+        <p:spPr>
+          <a:xfrm>
+            <a:off x="327545" y="1168789"/>
+            <a:ext cx="11586949" cy="5632311"/>
+          </a:xfrm>
+          <a:prstGeom prst="rect">
+            <a:avLst/>
+          </a:prstGeom>
+        </p:spPr>
+        <p:txBody>
+          <a:bodyPr wrap="square">
+            <a:spAutoFit/>
+          </a:bodyPr>
+          <a:lstStyle/>
+          <a:p>
+            <a:pPr marL="342900" indent="-342900">
+              <a:buFontTx/>
+              <a:buAutoNum type="arabicParenR"/>
+            </a:pPr>
+            <a:r>
+              <a:rPr lang="en-US" sz="2400" dirty="0"/>
+              <a:t>Go to https://git-scm.com/ and download git as per your platform </a:t>
+            </a:r>
+          </a:p>
+          <a:p>
+            <a:pPr marL="342900" indent="-342900">
+              <a:buFontTx/>
+              <a:buAutoNum type="arabicParenR"/>
+            </a:pPr>
+            <a:r>
+              <a:rPr lang="en-US" sz="2400" dirty="0"/>
+              <a:t>Install GIT </a:t>
+            </a:r>
+            <a:r>
+              <a:rPr lang="en-US" sz="2400" dirty="0" smtClean="0"/>
+              <a:t>&amp; Check </a:t>
+            </a:r>
+            <a:r>
+              <a:rPr lang="en-US" sz="2400" dirty="0"/>
+              <a:t>Git Version - </a:t>
+            </a:r>
+          </a:p>
+          <a:p>
+            <a:r>
+              <a:rPr lang="en-US" sz="2400" dirty="0"/>
+              <a:t>  </a:t>
+            </a:r>
+            <a:r>
+              <a:rPr lang="en-US" sz="2400" dirty="0" smtClean="0"/>
+              <a:t>     $&gt; </a:t>
+            </a:r>
+            <a:r>
+              <a:rPr lang="en-US" sz="2400" dirty="0"/>
+              <a:t>git </a:t>
+            </a:r>
+            <a:r>
+              <a:rPr lang="en-US" sz="2400" dirty="0" smtClean="0"/>
+              <a:t>–version</a:t>
+            </a:r>
+          </a:p>
+          <a:p>
+            <a:pPr marL="342900" indent="-342900">
+              <a:buAutoNum type="arabicParenR" startAt="3"/>
+            </a:pPr>
+            <a:r>
+              <a:rPr lang="en-US" sz="2400" dirty="0" smtClean="0"/>
+              <a:t>Sign-Up </a:t>
+            </a:r>
+            <a:r>
+              <a:rPr lang="en-US" sz="2400" dirty="0"/>
+              <a:t>Github  </a:t>
+            </a:r>
+            <a:r>
+              <a:rPr lang="en-US" sz="2400" dirty="0">
+                <a:hlinkClick r:id="rId3"/>
+              </a:rPr>
+              <a:t>https://</a:t>
+            </a:r>
+            <a:r>
+              <a:rPr lang="en-US" sz="2400" dirty="0" smtClean="0">
+                <a:hlinkClick r:id="rId3"/>
+              </a:rPr>
+              <a:t>www.github.com</a:t>
+            </a:r>
+            <a:endParaRPr lang="en-US" sz="2400" dirty="0" smtClean="0"/>
+          </a:p>
+          <a:p>
+            <a:pPr marL="342900" indent="-342900">
+              <a:buAutoNum type="arabicParenR" startAt="3"/>
+            </a:pPr>
+            <a:r>
+              <a:rPr lang="en-US" sz="2400" dirty="0" smtClean="0"/>
+              <a:t>Sign-In Github </a:t>
+            </a:r>
+          </a:p>
+          <a:p>
+            <a:pPr marL="342900" indent="-342900">
+              <a:buFontTx/>
+              <a:buAutoNum type="arabicParenR" startAt="3"/>
+            </a:pPr>
+            <a:r>
+              <a:rPr lang="en-US" sz="2400" dirty="0"/>
+              <a:t>Make Repository in GitHub </a:t>
+            </a:r>
+            <a:endParaRPr lang="en-US" sz="2400" dirty="0" smtClean="0"/>
+          </a:p>
+          <a:p>
+            <a:r>
+              <a:rPr lang="en-US" sz="2400" dirty="0" smtClean="0"/>
+              <a:t>6) Open CMD &amp; Clone </a:t>
+            </a:r>
+            <a:r>
+              <a:rPr lang="en-US" sz="2400" dirty="0"/>
+              <a:t>GitHub repository to your local machine </a:t>
+            </a:r>
+          </a:p>
+          <a:p>
+            <a:r>
+              <a:rPr lang="en-US" sz="2400" dirty="0"/>
+              <a:t>  </a:t>
+            </a:r>
+            <a:r>
+              <a:rPr lang="en-US" sz="2400" dirty="0" smtClean="0"/>
+              <a:t>     $&gt; </a:t>
+            </a:r>
+            <a:r>
+              <a:rPr lang="en-US" sz="2400" dirty="0"/>
+              <a:t>git clone </a:t>
+            </a:r>
+            <a:r>
+              <a:rPr lang="en-US" sz="2400" dirty="0" smtClean="0"/>
+              <a:t>URL_OF_Repositary</a:t>
+            </a:r>
+          </a:p>
+          <a:p>
+            <a:r>
+              <a:rPr lang="en-US" sz="2400" dirty="0" smtClean="0"/>
+              <a:t>7) Copy </a:t>
+            </a:r>
+            <a:r>
+              <a:rPr lang="en-US" sz="2400" dirty="0"/>
+              <a:t>your Project directory </a:t>
+            </a:r>
+            <a:r>
+              <a:rPr lang="en-US" sz="2400" dirty="0" smtClean="0"/>
+              <a:t> or code in local repository </a:t>
+            </a:r>
+          </a:p>
+          <a:p>
+            <a:pPr marL="342900" indent="-342900">
+              <a:buAutoNum type="arabicParenR" startAt="8"/>
+            </a:pPr>
+            <a:r>
+              <a:rPr lang="en-US" sz="2400" dirty="0" smtClean="0"/>
+              <a:t>Open Terminal/command prompt and change </a:t>
+            </a:r>
+            <a:r>
+              <a:rPr lang="en-US" sz="2400" dirty="0"/>
+              <a:t>the current working directory to your local </a:t>
+            </a:r>
+            <a:r>
+              <a:rPr lang="en-US" sz="2400" dirty="0" smtClean="0"/>
+              <a:t>repository. </a:t>
+            </a:r>
+          </a:p>
+          <a:p>
+            <a:pPr marL="342900" indent="-342900">
+              <a:buAutoNum type="arabicParenR" startAt="8"/>
+            </a:pPr>
+            <a:r>
+              <a:rPr lang="en-US" sz="2400" dirty="0" smtClean="0"/>
+              <a:t>Use following commands </a:t>
+            </a:r>
+          </a:p>
+          <a:p>
+            <a:r>
+              <a:rPr lang="en-US" sz="2400" dirty="0" smtClean="0"/>
+              <a:t>       $&gt; </a:t>
+            </a:r>
+            <a:r>
+              <a:rPr lang="en-US" sz="2400" dirty="0"/>
+              <a:t>git add .</a:t>
+            </a:r>
+          </a:p>
+          <a:p>
+            <a:r>
+              <a:rPr lang="en-US" sz="2400" dirty="0" smtClean="0"/>
+              <a:t>       $&gt; </a:t>
+            </a:r>
+            <a:r>
+              <a:rPr lang="en-US" sz="2400" dirty="0"/>
+              <a:t>git commit </a:t>
+            </a:r>
+            <a:r>
+              <a:rPr lang="en-US" sz="2400" dirty="0" smtClean="0"/>
+              <a:t>–m "Your </a:t>
+            </a:r>
+            <a:r>
+              <a:rPr lang="en-US" sz="2400" dirty="0"/>
+              <a:t>comment here"</a:t>
+            </a:r>
+          </a:p>
+          <a:p>
+            <a:r>
+              <a:rPr lang="en-US" sz="2400" dirty="0" smtClean="0"/>
+              <a:t>       $&gt; </a:t>
+            </a:r>
+            <a:r>
+              <a:rPr lang="en-US" sz="2400" dirty="0"/>
+              <a:t>git push </a:t>
+            </a:r>
+            <a:r>
+              <a:rPr lang="en-US" sz="2400" dirty="0" smtClean="0"/>
+              <a:t>URL_OF_Repositary</a:t>
+            </a:r>
+            <a:endParaRPr lang="en-US" sz="2400" dirty="0"/>
+          </a:p>
+        </p:txBody>
+      </p:sp>
+    </p:spTree>
+    <p:extLst>
+      <p:ext uri="{BB962C8B-B14F-4D97-AF65-F5344CB8AC3E}">
+        <p14:creationId xmlns:p14="http://schemas.microsoft.com/office/powerpoint/2010/main" val="4026678667"/>
+      </p:ext>
+    </p:extLst>
+  </p:cSld>
+  <p:clrMapOvr>
+    <a:masterClrMapping/>
+  </p:clrMapOvr>
+  <p:timing>
+    <p:tnLst>
+      <p:par>
+        <p:cTn id="1" dur="indefinite" restart="never" nodeType="tmRoot"/>
+      </p:par>
+    </p:tnLst>
+  </p:timing>
+</p:sld>
+</file>
+
+<file path=ppt/slides/slide12.xml><?xml version="1.0" encoding="utf-8"?>
+<p:sld xmlns:a="http://schemas.openxmlformats.org/drawingml/2006/main" xmlns:r="http://schemas.openxmlformats.org/officeDocument/2006/relationships" xmlns:p="http://schemas.openxmlformats.org/presentationml/2006/main">
+  <p:cSld>
+    <p:spTree>
+      <p:nvGrpSpPr>
+        <p:cNvPr id="1" name=""/>
+        <p:cNvGrpSpPr/>
+        <p:nvPr/>
+      </p:nvGrpSpPr>
+      <p:grpSpPr>
+        <a:xfrm>
+          <a:off x="0" y="0"/>
+          <a:ext cx="0" cy="0"/>
+          <a:chOff x="0" y="0"/>
+          <a:chExt cx="0" cy="0"/>
+        </a:xfrm>
+      </p:grpSpPr>
+      <p:sp>
+        <p:nvSpPr>
+          <p:cNvPr id="2" name="直角三角形 1"/>
+          <p:cNvSpPr/>
+          <p:nvPr/>
+        </p:nvSpPr>
+        <p:spPr>
+          <a:xfrm flipH="1" flipV="1">
+            <a:off x="4076700" y="0"/>
+            <a:ext cx="8115300" cy="6273800"/>
+          </a:xfrm>
+          <a:prstGeom prst="rtTriangle">
+            <a:avLst/>
+          </a:prstGeom>
+          <a:solidFill>
+            <a:srgbClr val="747472"/>
+          </a:solidFill>
+          <a:ln>
+            <a:noFill/>
+          </a:ln>
+        </p:spPr>
+        <p:style>
+          <a:lnRef idx="2">
+            <a:schemeClr val="accent1">
+              <a:shade val="50000"/>
+            </a:schemeClr>
+          </a:lnRef>
+          <a:fillRef idx="1">
+            <a:schemeClr val="accent1"/>
+          </a:fillRef>
+          <a:effectRef idx="0">
+            <a:schemeClr val="accent1"/>
+          </a:effectRef>
+          <a:fontRef idx="minor">
+            <a:schemeClr val="lt1"/>
+          </a:fontRef>
+        </p:style>
+        <p:txBody>
+          <a:bodyPr anchor="ctr"/>
+          <a:lstStyle/>
+          <a:p>
+            <a:pPr marL="0" marR="0" lvl="0" indent="0" algn="ctr" defTabSz="914400" rtl="0" eaLnBrk="1" fontAlgn="auto" latinLnBrk="0" hangingPunct="1">
+              <a:lnSpc>
+                <a:spcPct val="100000"/>
+              </a:lnSpc>
+              <a:spcBef>
+                <a:spcPts val="0"/>
+              </a:spcBef>
+              <a:spcAft>
+                <a:spcPts val="0"/>
+              </a:spcAft>
+              <a:buClrTx/>
+              <a:buSzTx/>
+              <a:buFontTx/>
+              <a:buNone/>
+              <a:defRPr/>
+            </a:pPr>
+            <a:endParaRPr kumimoji="0" lang="zh-CN" altLang="en-US" sz="1800" b="0" i="0" u="none" strike="noStrike" kern="1200" cap="none" spc="0" normalizeH="0" baseline="0" noProof="0">
+              <a:ln>
+                <a:noFill/>
+              </a:ln>
+              <a:solidFill>
+                <a:schemeClr val="lt1"/>
+              </a:solidFill>
+              <a:effectLst/>
+              <a:uLnTx/>
+              <a:uFillTx/>
+              <a:latin typeface="+mn-lt"/>
+              <a:ea typeface="+mn-ea"/>
+              <a:cs typeface="+mn-cs"/>
+            </a:endParaRPr>
+          </a:p>
+        </p:txBody>
+      </p:sp>
+      <p:sp>
+        <p:nvSpPr>
+          <p:cNvPr id="3" name="等腰三角形 2"/>
+          <p:cNvSpPr/>
+          <p:nvPr/>
+        </p:nvSpPr>
+        <p:spPr>
+          <a:xfrm rot="19088536">
+            <a:off x="7283450" y="-541337"/>
+            <a:ext cx="2414588" cy="9158288"/>
+          </a:xfrm>
+          <a:custGeom>
+            <a:avLst/>
+            <a:gdLst>
+              <a:gd name="connsiteX0" fmla="*/ 0 w 1117600"/>
+              <a:gd name="connsiteY0" fmla="*/ 5702300 h 5702300"/>
+              <a:gd name="connsiteX1" fmla="*/ 558800 w 1117600"/>
+              <a:gd name="connsiteY1" fmla="*/ 0 h 5702300"/>
+              <a:gd name="connsiteX2" fmla="*/ 1117600 w 1117600"/>
+              <a:gd name="connsiteY2" fmla="*/ 5702300 h 5702300"/>
+              <a:gd name="connsiteX3" fmla="*/ 0 w 1117600"/>
+              <a:gd name="connsiteY3" fmla="*/ 5702300 h 5702300"/>
+              <a:gd name="connsiteX0-1" fmla="*/ 0 w 2070142"/>
+              <a:gd name="connsiteY0-2" fmla="*/ 5702300 h 7817508"/>
+              <a:gd name="connsiteX1-3" fmla="*/ 558800 w 2070142"/>
+              <a:gd name="connsiteY1-4" fmla="*/ 0 h 7817508"/>
+              <a:gd name="connsiteX2-5" fmla="*/ 2070142 w 2070142"/>
+              <a:gd name="connsiteY2-6" fmla="*/ 7817508 h 7817508"/>
+              <a:gd name="connsiteX3-7" fmla="*/ 0 w 2070142"/>
+              <a:gd name="connsiteY3-8" fmla="*/ 5702300 h 7817508"/>
+              <a:gd name="connsiteX0-9" fmla="*/ 0 w 2414257"/>
+              <a:gd name="connsiteY0-10" fmla="*/ 6314781 h 7817508"/>
+              <a:gd name="connsiteX1-11" fmla="*/ 902915 w 2414257"/>
+              <a:gd name="connsiteY1-12" fmla="*/ 0 h 7817508"/>
+              <a:gd name="connsiteX2-13" fmla="*/ 2414257 w 2414257"/>
+              <a:gd name="connsiteY2-14" fmla="*/ 7817508 h 7817508"/>
+              <a:gd name="connsiteX3-15" fmla="*/ 0 w 2414257"/>
+              <a:gd name="connsiteY3-16" fmla="*/ 6314781 h 7817508"/>
+              <a:gd name="connsiteX0-17" fmla="*/ 0 w 2414257"/>
+              <a:gd name="connsiteY0-18" fmla="*/ 6314781 h 7817508"/>
+              <a:gd name="connsiteX1-19" fmla="*/ 902915 w 2414257"/>
+              <a:gd name="connsiteY1-20" fmla="*/ 0 h 7817508"/>
+              <a:gd name="connsiteX2-21" fmla="*/ 2414257 w 2414257"/>
+              <a:gd name="connsiteY2-22" fmla="*/ 7817508 h 7817508"/>
+              <a:gd name="connsiteX3-23" fmla="*/ 1191330 w 2414257"/>
+              <a:gd name="connsiteY3-24" fmla="*/ 7039908 h 7817508"/>
+              <a:gd name="connsiteX4" fmla="*/ 0 w 2414257"/>
+              <a:gd name="connsiteY4" fmla="*/ 6314781 h 7817508"/>
+              <a:gd name="connsiteX0-25" fmla="*/ 0 w 2414257"/>
+              <a:gd name="connsiteY0-26" fmla="*/ 6314781 h 8205626"/>
+              <a:gd name="connsiteX1-27" fmla="*/ 902915 w 2414257"/>
+              <a:gd name="connsiteY1-28" fmla="*/ 0 h 8205626"/>
+              <a:gd name="connsiteX2-29" fmla="*/ 2414257 w 2414257"/>
+              <a:gd name="connsiteY2-30" fmla="*/ 7817508 h 8205626"/>
+              <a:gd name="connsiteX3-31" fmla="*/ 2073759 w 2414257"/>
+              <a:gd name="connsiteY3-32" fmla="*/ 8205626 h 8205626"/>
+              <a:gd name="connsiteX4-33" fmla="*/ 0 w 2414257"/>
+              <a:gd name="connsiteY4-34" fmla="*/ 6314781 h 8205626"/>
+              <a:gd name="connsiteX0-35" fmla="*/ 0 w 2414257"/>
+              <a:gd name="connsiteY0-36" fmla="*/ 6436203 h 8327048"/>
+              <a:gd name="connsiteX1-37" fmla="*/ 329641 w 2414257"/>
+              <a:gd name="connsiteY1-38" fmla="*/ 0 h 8327048"/>
+              <a:gd name="connsiteX2-39" fmla="*/ 2414257 w 2414257"/>
+              <a:gd name="connsiteY2-40" fmla="*/ 7938930 h 8327048"/>
+              <a:gd name="connsiteX3-41" fmla="*/ 2073759 w 2414257"/>
+              <a:gd name="connsiteY3-42" fmla="*/ 8327048 h 8327048"/>
+              <a:gd name="connsiteX4-43" fmla="*/ 0 w 2414257"/>
+              <a:gd name="connsiteY4-44" fmla="*/ 6436203 h 8327048"/>
+              <a:gd name="connsiteX0-45" fmla="*/ 0 w 2414257"/>
+              <a:gd name="connsiteY0-46" fmla="*/ 6431068 h 8321913"/>
+              <a:gd name="connsiteX1-47" fmla="*/ 563761 w 2414257"/>
+              <a:gd name="connsiteY1-48" fmla="*/ 0 h 8321913"/>
+              <a:gd name="connsiteX2-49" fmla="*/ 2414257 w 2414257"/>
+              <a:gd name="connsiteY2-50" fmla="*/ 7933795 h 8321913"/>
+              <a:gd name="connsiteX3-51" fmla="*/ 2073759 w 2414257"/>
+              <a:gd name="connsiteY3-52" fmla="*/ 8321913 h 8321913"/>
+              <a:gd name="connsiteX4-53" fmla="*/ 0 w 2414257"/>
+              <a:gd name="connsiteY4-54" fmla="*/ 6431068 h 8321913"/>
+              <a:gd name="connsiteX0-55" fmla="*/ 0 w 2414257"/>
+              <a:gd name="connsiteY0-56" fmla="*/ 7267650 h 9158495"/>
+              <a:gd name="connsiteX1-57" fmla="*/ 239027 w 2414257"/>
+              <a:gd name="connsiteY1-58" fmla="*/ 0 h 9158495"/>
+              <a:gd name="connsiteX2-59" fmla="*/ 2414257 w 2414257"/>
+              <a:gd name="connsiteY2-60" fmla="*/ 8770377 h 9158495"/>
+              <a:gd name="connsiteX3-61" fmla="*/ 2073759 w 2414257"/>
+              <a:gd name="connsiteY3-62" fmla="*/ 9158495 h 9158495"/>
+              <a:gd name="connsiteX4-63" fmla="*/ 0 w 2414257"/>
+              <a:gd name="connsiteY4-64" fmla="*/ 7267650 h 9158495"/>
+            </a:gdLst>
+            <a:ahLst/>
+            <a:cxnLst>
+              <a:cxn ang="0">
+                <a:pos x="connsiteX0-1" y="connsiteY0-2"/>
+              </a:cxn>
+              <a:cxn ang="0">
+                <a:pos x="connsiteX1-3" y="connsiteY1-4"/>
+              </a:cxn>
+              <a:cxn ang="0">
+                <a:pos x="connsiteX2-5" y="connsiteY2-6"/>
+              </a:cxn>
+              <a:cxn ang="0">
+                <a:pos x="connsiteX3-7" y="connsiteY3-8"/>
+              </a:cxn>
+              <a:cxn ang="0">
+                <a:pos x="connsiteX4-33" y="connsiteY4-34"/>
+              </a:cxn>
+            </a:cxnLst>
+            <a:rect l="l" t="t" r="r" b="b"/>
+            <a:pathLst>
+              <a:path w="2414257" h="9158495">
+                <a:moveTo>
+                  <a:pt x="0" y="7267650"/>
+                </a:moveTo>
+                <a:lnTo>
+                  <a:pt x="239027" y="0"/>
+                </a:lnTo>
+                <a:lnTo>
+                  <a:pt x="2414257" y="8770377"/>
+                </a:lnTo>
+                <a:lnTo>
+                  <a:pt x="2073759" y="9158495"/>
+                </a:lnTo>
+                <a:lnTo>
+                  <a:pt x="0" y="7267650"/>
+                </a:lnTo>
+                <a:close/>
+              </a:path>
+            </a:pathLst>
+          </a:custGeom>
+          <a:solidFill>
+            <a:srgbClr val="C4C4C4"/>
+          </a:solidFill>
+          <a:ln>
+            <a:noFill/>
+          </a:ln>
+        </p:spPr>
+        <p:style>
+          <a:lnRef idx="2">
+            <a:schemeClr val="accent1">
+              <a:shade val="50000"/>
+            </a:schemeClr>
+          </a:lnRef>
+          <a:fillRef idx="1">
+            <a:schemeClr val="accent1"/>
+          </a:fillRef>
+          <a:effectRef idx="0">
+            <a:schemeClr val="accent1"/>
+          </a:effectRef>
+          <a:fontRef idx="minor">
+            <a:schemeClr val="lt1"/>
+          </a:fontRef>
+        </p:style>
+        <p:txBody>
+          <a:bodyPr anchor="ctr"/>
+          <a:lstStyle/>
+          <a:p>
+            <a:pPr marL="0" marR="0" lvl="0" indent="0" algn="ctr" defTabSz="914400" rtl="0" eaLnBrk="1" fontAlgn="auto" latinLnBrk="0" hangingPunct="1">
+              <a:lnSpc>
+                <a:spcPct val="100000"/>
+              </a:lnSpc>
+              <a:spcBef>
+                <a:spcPts val="0"/>
+              </a:spcBef>
+              <a:spcAft>
+                <a:spcPts val="0"/>
+              </a:spcAft>
+              <a:buClrTx/>
+              <a:buSzTx/>
+              <a:buFontTx/>
+              <a:buNone/>
+              <a:defRPr/>
+            </a:pPr>
+            <a:endParaRPr kumimoji="0" lang="zh-CN" altLang="en-US" sz="1800" b="0" i="0" u="none" strike="noStrike" kern="1200" cap="none" spc="0" normalizeH="0" baseline="0" noProof="0">
+              <a:ln>
+                <a:noFill/>
+              </a:ln>
+              <a:solidFill>
+                <a:schemeClr val="lt1"/>
+              </a:solidFill>
+              <a:effectLst/>
+              <a:uLnTx/>
+              <a:uFillTx/>
+              <a:latin typeface="+mn-lt"/>
+              <a:ea typeface="+mn-ea"/>
+              <a:cs typeface="+mn-cs"/>
+            </a:endParaRPr>
+          </a:p>
+        </p:txBody>
+      </p:sp>
+      <p:sp>
+        <p:nvSpPr>
+          <p:cNvPr id="8" name="任意多边形 7"/>
+          <p:cNvSpPr/>
+          <p:nvPr/>
+        </p:nvSpPr>
+        <p:spPr>
+          <a:xfrm rot="7572289">
+            <a:off x="5132388" y="-1582737"/>
+            <a:ext cx="741363" cy="6269038"/>
+          </a:xfrm>
+          <a:custGeom>
+            <a:avLst/>
+            <a:gdLst>
+              <a:gd name="connsiteX0" fmla="*/ 742650 w 742650"/>
+              <a:gd name="connsiteY0" fmla="*/ 6268899 h 6268899"/>
+              <a:gd name="connsiteX1" fmla="*/ 0 w 742650"/>
+              <a:gd name="connsiteY1" fmla="*/ 5254376 h 6268899"/>
+              <a:gd name="connsiteX2" fmla="*/ 242314 w 742650"/>
+              <a:gd name="connsiteY2" fmla="*/ 0 h 6268899"/>
+            </a:gdLst>
+            <a:ahLst/>
+            <a:cxnLst>
+              <a:cxn ang="0">
+                <a:pos x="connsiteX0" y="connsiteY0"/>
+              </a:cxn>
+              <a:cxn ang="0">
+                <a:pos x="connsiteX1" y="connsiteY1"/>
+              </a:cxn>
+              <a:cxn ang="0">
+                <a:pos x="connsiteX2" y="connsiteY2"/>
+              </a:cxn>
+            </a:cxnLst>
+            <a:rect l="l" t="t" r="r" b="b"/>
+            <a:pathLst>
+              <a:path w="742650" h="6268899">
+                <a:moveTo>
+                  <a:pt x="742650" y="6268899"/>
+                </a:moveTo>
+                <a:lnTo>
+                  <a:pt x="0" y="5254376"/>
+                </a:lnTo>
+                <a:lnTo>
+                  <a:pt x="242314" y="0"/>
+                </a:lnTo>
+                <a:close/>
+              </a:path>
+            </a:pathLst>
+          </a:custGeom>
+          <a:solidFill>
+            <a:srgbClr val="F0B931"/>
+          </a:solidFill>
+          <a:ln>
+            <a:noFill/>
+          </a:ln>
+        </p:spPr>
+        <p:style>
+          <a:lnRef idx="2">
+            <a:schemeClr val="accent1">
+              <a:shade val="50000"/>
+            </a:schemeClr>
+          </a:lnRef>
+          <a:fillRef idx="1">
+            <a:schemeClr val="accent1"/>
+          </a:fillRef>
+          <a:effectRef idx="0">
+            <a:schemeClr val="accent1"/>
+          </a:effectRef>
+          <a:fontRef idx="minor">
+            <a:schemeClr val="lt1"/>
+          </a:fontRef>
+        </p:style>
+        <p:txBody>
+          <a:bodyPr anchor="ctr"/>
+          <a:lstStyle/>
+          <a:p>
+            <a:pPr marL="0" marR="0" lvl="0" indent="0" algn="ctr" defTabSz="914400" rtl="0" eaLnBrk="1" fontAlgn="auto" latinLnBrk="0" hangingPunct="1">
+              <a:lnSpc>
+                <a:spcPct val="100000"/>
+              </a:lnSpc>
+              <a:spcBef>
+                <a:spcPts val="0"/>
+              </a:spcBef>
+              <a:spcAft>
+                <a:spcPts val="0"/>
+              </a:spcAft>
+              <a:buClrTx/>
+              <a:buSzTx/>
+              <a:buFontTx/>
+              <a:buNone/>
+              <a:defRPr/>
+            </a:pPr>
+            <a:endParaRPr kumimoji="0" lang="zh-CN" altLang="en-US" sz="1800" b="0" i="0" u="none" strike="noStrike" kern="1200" cap="none" spc="0" normalizeH="0" baseline="0" noProof="0">
+              <a:ln>
+                <a:noFill/>
+              </a:ln>
+              <a:solidFill>
+                <a:schemeClr val="lt1"/>
+              </a:solidFill>
+              <a:effectLst/>
+              <a:uLnTx/>
+              <a:uFillTx/>
+              <a:latin typeface="+mn-lt"/>
+              <a:ea typeface="+mn-ea"/>
+              <a:cs typeface="+mn-cs"/>
+            </a:endParaRPr>
+          </a:p>
+        </p:txBody>
+      </p:sp>
+      <p:pic>
+        <p:nvPicPr>
+          <p:cNvPr id="5" name="Picture 4" descr="python-logo"/>
+          <p:cNvPicPr>
+            <a:picLocks noChangeAspect="1"/>
+          </p:cNvPicPr>
+          <p:nvPr/>
+        </p:nvPicPr>
+        <p:blipFill>
+          <a:blip r:embed="rId2"/>
+          <a:stretch>
+            <a:fillRect/>
+          </a:stretch>
+        </p:blipFill>
+        <p:spPr>
+          <a:xfrm>
+            <a:off x="8509000" y="361315"/>
+            <a:ext cx="3683000" cy="1041400"/>
+          </a:xfrm>
+          <a:prstGeom prst="rect">
+            <a:avLst/>
+          </a:prstGeom>
+        </p:spPr>
+      </p:pic>
+      <p:sp>
+        <p:nvSpPr>
+          <p:cNvPr id="9" name="文本框 8"/>
+          <p:cNvSpPr txBox="1"/>
+          <p:nvPr/>
+        </p:nvSpPr>
+        <p:spPr>
+          <a:xfrm>
+            <a:off x="113348" y="207328"/>
             <a:ext cx="8542916" cy="707886"/>
           </a:xfrm>
           <a:prstGeom prst="rect">
@@ -12201,7 +13024,7 @@
 </p:sld>
 </file>
 
-<file path=ppt/slides/slide12.xml><?xml version="1.0" encoding="utf-8"?>
+<file path=ppt/slides/slide13.xml><?xml version="1.0" encoding="utf-8"?>
 <p:sld xmlns:a="http://schemas.openxmlformats.org/drawingml/2006/main" xmlns:r="http://schemas.openxmlformats.org/officeDocument/2006/relationships" xmlns:p="http://schemas.openxmlformats.org/presentationml/2006/main">
   <p:cSld>
     <p:spTree>
